--- a/présentation.pptx
+++ b/présentation.pptx
@@ -8,12 +8,14 @@
     <p:sldId id="256" r:id="rId2"/>
     <p:sldId id="257" r:id="rId3"/>
     <p:sldId id="258" r:id="rId4"/>
-    <p:sldId id="259" r:id="rId5"/>
-    <p:sldId id="260" r:id="rId6"/>
-    <p:sldId id="261" r:id="rId7"/>
-    <p:sldId id="262" r:id="rId8"/>
-    <p:sldId id="263" r:id="rId9"/>
-    <p:sldId id="264" r:id="rId10"/>
+    <p:sldId id="265" r:id="rId5"/>
+    <p:sldId id="259" r:id="rId6"/>
+    <p:sldId id="260" r:id="rId7"/>
+    <p:sldId id="261" r:id="rId8"/>
+    <p:sldId id="266" r:id="rId9"/>
+    <p:sldId id="262" r:id="rId10"/>
+    <p:sldId id="263" r:id="rId11"/>
+    <p:sldId id="264" r:id="rId12"/>
   </p:sldIdLst>
   <p:sldSz cx="9144000" cy="6858000" type="screen4x3"/>
   <p:notesSz cx="6858000" cy="9144000"/>
@@ -910,7 +912,7 @@
             <a:fld id="{08B9EBBA-996F-894A-B54A-D6246ED52CEA}" type="datetimeFigureOut">
               <a:rPr lang="en-US" smtClean="0"/>
               <a:pPr/>
-              <a:t>1/3/2015</a:t>
+              <a:t>1/4/2015</a:t>
             </a:fld>
             <a:endParaRPr lang="en-US" dirty="0"/>
           </a:p>
@@ -1163,7 +1165,7 @@
             <a:fld id="{09B482E8-6E0E-1B4F-B1FD-C69DB9E858D9}" type="datetimeFigureOut">
               <a:rPr lang="en-US" smtClean="0"/>
               <a:pPr/>
-              <a:t>1/3/2015</a:t>
+              <a:t>1/4/2015</a:t>
             </a:fld>
             <a:endParaRPr lang="en-US" dirty="0"/>
           </a:p>
@@ -1480,7 +1482,7 @@
             <a:fld id="{8DFA1846-DA80-1C48-A609-854EA85C59AD}" type="datetimeFigureOut">
               <a:rPr lang="en-US" smtClean="0"/>
               <a:pPr/>
-              <a:t>1/3/2015</a:t>
+              <a:t>1/4/2015</a:t>
             </a:fld>
             <a:endParaRPr lang="en-US" dirty="0"/>
           </a:p>
@@ -1815,7 +1817,7 @@
             <a:fld id="{FBF54567-0DE4-3F47-BF90-CB84690072F9}" type="datetimeFigureOut">
               <a:rPr lang="en-US" smtClean="0"/>
               <a:pPr/>
-              <a:t>1/3/2015</a:t>
+              <a:t>1/4/2015</a:t>
             </a:fld>
             <a:endParaRPr lang="en-US" dirty="0"/>
           </a:p>
@@ -2131,7 +2133,7 @@
             <a:fld id="{09B482E8-6E0E-1B4F-B1FD-C69DB9E858D9}" type="datetimeFigureOut">
               <a:rPr lang="en-US" smtClean="0"/>
               <a:pPr/>
-              <a:t>1/3/2015</a:t>
+              <a:t>1/4/2015</a:t>
             </a:fld>
             <a:endParaRPr lang="en-US" dirty="0"/>
           </a:p>
@@ -2527,7 +2529,7 @@
             <a:fld id="{09B482E8-6E0E-1B4F-B1FD-C69DB9E858D9}" type="datetimeFigureOut">
               <a:rPr lang="en-US" smtClean="0"/>
               <a:pPr/>
-              <a:t>1/3/2015</a:t>
+              <a:t>1/4/2015</a:t>
             </a:fld>
             <a:endParaRPr lang="en-US" dirty="0"/>
           </a:p>
@@ -2700,7 +2702,7 @@
             <a:fld id="{C6C52C72-DE31-F449-A4ED-4C594FD91407}" type="datetimeFigureOut">
               <a:rPr lang="en-US" smtClean="0"/>
               <a:pPr/>
-              <a:t>1/3/2015</a:t>
+              <a:t>1/4/2015</a:t>
             </a:fld>
             <a:endParaRPr lang="en-US" dirty="0"/>
           </a:p>
@@ -2882,7 +2884,7 @@
             <a:fld id="{ED62726E-379B-B349-9EED-81ED093FA806}" type="datetimeFigureOut">
               <a:rPr lang="en-US" smtClean="0"/>
               <a:pPr/>
-              <a:t>1/3/2015</a:t>
+              <a:t>1/4/2015</a:t>
             </a:fld>
             <a:endParaRPr lang="en-US" dirty="0"/>
           </a:p>
@@ -3054,7 +3056,7 @@
             <a:fld id="{9B3A1323-8D79-1946-B0D7-40001CF92E9D}" type="datetimeFigureOut">
               <a:rPr lang="en-US" smtClean="0"/>
               <a:pPr/>
-              <a:t>1/3/2015</a:t>
+              <a:t>1/4/2015</a:t>
             </a:fld>
             <a:endParaRPr lang="en-US" dirty="0"/>
           </a:p>
@@ -3303,7 +3305,7 @@
             <a:fld id="{8DFA1846-DA80-1C48-A609-854EA85C59AD}" type="datetimeFigureOut">
               <a:rPr lang="en-US" smtClean="0"/>
               <a:pPr/>
-              <a:t>1/3/2015</a:t>
+              <a:t>1/4/2015</a:t>
             </a:fld>
             <a:endParaRPr lang="en-US" dirty="0"/>
           </a:p>
@@ -3602,7 +3604,7 @@
             <a:fld id="{57302355-E14B-8545-A8F8-0FE83CC9D524}" type="datetimeFigureOut">
               <a:rPr lang="en-US" smtClean="0"/>
               <a:pPr/>
-              <a:t>1/3/2015</a:t>
+              <a:t>1/4/2015</a:t>
             </a:fld>
             <a:endParaRPr lang="en-US" dirty="0"/>
           </a:p>
@@ -3983,7 +3985,7 @@
             <a:fld id="{02640F58-564D-2B4F-AE67-E407BA4FCF45}" type="datetimeFigureOut">
               <a:rPr lang="en-US" smtClean="0"/>
               <a:pPr/>
-              <a:t>1/3/2015</a:t>
+              <a:t>1/4/2015</a:t>
             </a:fld>
             <a:endParaRPr lang="en-US" dirty="0"/>
           </a:p>
@@ -4108,7 +4110,7 @@
             <a:fld id="{F13A34C8-038E-2045-AF43-DF7DBB8E0E9E}" type="datetimeFigureOut">
               <a:rPr lang="en-US" smtClean="0"/>
               <a:pPr/>
-              <a:t>1/3/2015</a:t>
+              <a:t>1/4/2015</a:t>
             </a:fld>
             <a:endParaRPr lang="en-US" dirty="0"/>
           </a:p>
@@ -4205,7 +4207,7 @@
             <a:fld id="{8818C68F-D26B-8F47-958C-23B49CF8A634}" type="datetimeFigureOut">
               <a:rPr lang="en-US" smtClean="0"/>
               <a:pPr/>
-              <a:t>1/3/2015</a:t>
+              <a:t>1/4/2015</a:t>
             </a:fld>
             <a:endParaRPr lang="en-US" dirty="0"/>
           </a:p>
@@ -4462,7 +4464,7 @@
             <a:fld id="{D0DF5E60-9974-AC48-9591-99C2BB44B7CF}" type="datetimeFigureOut">
               <a:rPr lang="en-US" smtClean="0"/>
               <a:pPr/>
-              <a:t>1/3/2015</a:t>
+              <a:t>1/4/2015</a:t>
             </a:fld>
             <a:endParaRPr lang="en-US" dirty="0"/>
           </a:p>
@@ -4727,7 +4729,7 @@
             <a:fld id="{18C79C5D-2A6F-F04D-97DA-BEF2467B64E4}" type="datetimeFigureOut">
               <a:rPr lang="en-US" smtClean="0"/>
               <a:pPr/>
-              <a:t>1/3/2015</a:t>
+              <a:t>1/4/2015</a:t>
             </a:fld>
             <a:endParaRPr lang="en-US" dirty="0"/>
           </a:p>
@@ -5543,7 +5545,7 @@
             <a:fld id="{09B482E8-6E0E-1B4F-B1FD-C69DB9E858D9}" type="datetimeFigureOut">
               <a:rPr lang="en-US" smtClean="0"/>
               <a:pPr/>
-              <a:t>1/3/2015</a:t>
+              <a:t>1/4/2015</a:t>
             </a:fld>
             <a:endParaRPr lang="en-US" dirty="0"/>
           </a:p>
@@ -6116,11 +6118,7 @@
           <a:p>
             <a:r>
               <a:rPr lang="fr-FR" dirty="0"/>
-              <a:t>Papelier</a:t>
-            </a:r>
-            <a:r>
-              <a:rPr lang="fr-FR" dirty="0"/>
-              <a:t> </a:t>
+              <a:t>Papelier </a:t>
             </a:r>
             <a:r>
               <a:rPr lang="fr-FR" dirty="0" smtClean="0"/>
@@ -6140,11 +6138,7 @@
             </a:r>
             <a:r>
               <a:rPr lang="fr-FR" dirty="0"/>
-              <a:t>Verhoof</a:t>
-            </a:r>
-            <a:r>
-              <a:rPr lang="fr-FR" dirty="0"/>
-              <a:t> </a:t>
+              <a:t>Verhoof </a:t>
             </a:r>
             <a:r>
               <a:rPr lang="fr-FR" dirty="0" smtClean="0"/>
@@ -6158,13 +6152,8 @@
             </a:r>
             <a:r>
               <a:rPr lang="fr-FR" dirty="0"/>
-              <a:t>Ahmed-Khalifa </a:t>
-            </a:r>
-            <a:r>
-              <a:rPr lang="fr-FR" dirty="0"/>
-              <a:t>Aminetou</a:t>
-            </a:r>
-            <a:endParaRPr lang="fr-FR" dirty="0"/>
+              <a:t>Ahmed-Khalifa Aminetou</a:t>
+            </a:r>
           </a:p>
         </p:txBody>
       </p:sp>
@@ -6172,6 +6161,258 @@
     <p:extLst>
       <p:ext uri="{BB962C8B-B14F-4D97-AF65-F5344CB8AC3E}">
         <p14:creationId xmlns:p14="http://schemas.microsoft.com/office/powerpoint/2010/main" val="3692162084"/>
+      </p:ext>
+    </p:extLst>
+  </p:cSld>
+  <p:clrMapOvr>
+    <a:masterClrMapping/>
+  </p:clrMapOvr>
+  <p:timing>
+    <p:tnLst>
+      <p:par>
+        <p:cTn id="1" dur="indefinite" restart="never" nodeType="tmRoot"/>
+      </p:par>
+    </p:tnLst>
+  </p:timing>
+</p:sld>
+</file>
+
+<file path=ppt/slides/slide10.xml><?xml version="1.0" encoding="utf-8"?>
+<p:sld xmlns:a="http://schemas.openxmlformats.org/drawingml/2006/main" xmlns:r="http://schemas.openxmlformats.org/officeDocument/2006/relationships" xmlns:p="http://schemas.openxmlformats.org/presentationml/2006/main">
+  <p:cSld>
+    <p:spTree>
+      <p:nvGrpSpPr>
+        <p:cNvPr id="1" name=""/>
+        <p:cNvGrpSpPr/>
+        <p:nvPr/>
+      </p:nvGrpSpPr>
+      <p:grpSpPr>
+        <a:xfrm>
+          <a:off x="0" y="0"/>
+          <a:ext cx="0" cy="0"/>
+          <a:chOff x="0" y="0"/>
+          <a:chExt cx="0" cy="0"/>
+        </a:xfrm>
+      </p:grpSpPr>
+      <p:sp>
+        <p:nvSpPr>
+          <p:cNvPr id="2" name="Titre 1"/>
+          <p:cNvSpPr>
+            <a:spLocks noGrp="1"/>
+          </p:cNvSpPr>
+          <p:nvPr>
+            <p:ph type="title"/>
+          </p:nvPr>
+        </p:nvSpPr>
+        <p:spPr/>
+        <p:txBody>
+          <a:bodyPr/>
+          <a:lstStyle/>
+          <a:p>
+            <a:r>
+              <a:rPr lang="fr-FR" dirty="0" smtClean="0"/>
+              <a:t>Rétrospective</a:t>
+            </a:r>
+            <a:br>
+              <a:rPr lang="fr-FR" dirty="0" smtClean="0"/>
+            </a:br>
+            <a:r>
+              <a:rPr lang="fr-FR" dirty="0" smtClean="0"/>
+              <a:t>Développement</a:t>
+            </a:r>
+            <a:endParaRPr lang="fr-FR" dirty="0"/>
+          </a:p>
+        </p:txBody>
+      </p:sp>
+      <p:sp>
+        <p:nvSpPr>
+          <p:cNvPr id="3" name="Espace réservé du contenu 2"/>
+          <p:cNvSpPr>
+            <a:spLocks noGrp="1"/>
+          </p:cNvSpPr>
+          <p:nvPr>
+            <p:ph idx="1"/>
+          </p:nvPr>
+        </p:nvSpPr>
+        <p:spPr/>
+        <p:txBody>
+          <a:bodyPr/>
+          <a:lstStyle/>
+          <a:p>
+            <a:r>
+              <a:rPr lang="fr-FR" dirty="0" smtClean="0"/>
+              <a:t>Optimiser le code</a:t>
+            </a:r>
+          </a:p>
+          <a:p>
+            <a:pPr lvl="1"/>
+            <a:r>
+              <a:rPr lang="fr-FR" dirty="0" smtClean="0"/>
+              <a:t>Pour de nombreuses entrées dans la base de données</a:t>
+            </a:r>
+            <a:endParaRPr lang="fr-FR" dirty="0"/>
+          </a:p>
+          <a:p>
+            <a:pPr lvl="1"/>
+            <a:r>
+              <a:rPr lang="fr-FR" dirty="0" smtClean="0"/>
+              <a:t>Requêtes SQL qui peuvent prendre du temps</a:t>
+            </a:r>
+          </a:p>
+          <a:p>
+            <a:pPr marL="457200" lvl="1" indent="0">
+              <a:buNone/>
+            </a:pPr>
+            <a:endParaRPr lang="fr-FR" dirty="0" smtClean="0"/>
+          </a:p>
+          <a:p>
+            <a:r>
+              <a:rPr lang="fr-FR" dirty="0" smtClean="0"/>
+              <a:t>Développer des nouvelles fonctionnalités</a:t>
+            </a:r>
+            <a:endParaRPr lang="fr-FR" dirty="0"/>
+          </a:p>
+          <a:p>
+            <a:pPr lvl="1"/>
+            <a:r>
+              <a:rPr lang="fr-FR" dirty="0" smtClean="0"/>
+              <a:t>Partage de playlist</a:t>
+            </a:r>
+          </a:p>
+          <a:p>
+            <a:pPr lvl="1"/>
+            <a:r>
+              <a:rPr lang="fr-FR" dirty="0" smtClean="0"/>
+              <a:t>Modification du compte</a:t>
+            </a:r>
+          </a:p>
+          <a:p>
+            <a:pPr lvl="1"/>
+            <a:r>
+              <a:rPr lang="fr-FR" dirty="0" smtClean="0"/>
+              <a:t>Des données sur la playlist pour l’utilisateur</a:t>
+            </a:r>
+          </a:p>
+          <a:p>
+            <a:pPr lvl="1"/>
+            <a:r>
+              <a:rPr lang="fr-FR" dirty="0" smtClean="0"/>
+              <a:t>Déplacer la pop-up</a:t>
+            </a:r>
+            <a:endParaRPr lang="fr-FR" dirty="0"/>
+          </a:p>
+        </p:txBody>
+      </p:sp>
+    </p:spTree>
+    <p:extLst>
+      <p:ext uri="{BB962C8B-B14F-4D97-AF65-F5344CB8AC3E}">
+        <p14:creationId xmlns:p14="http://schemas.microsoft.com/office/powerpoint/2010/main" val="2229290647"/>
+      </p:ext>
+    </p:extLst>
+  </p:cSld>
+  <p:clrMapOvr>
+    <a:masterClrMapping/>
+  </p:clrMapOvr>
+  <p:timing>
+    <p:tnLst>
+      <p:par>
+        <p:cTn id="1" dur="indefinite" restart="never" nodeType="tmRoot"/>
+      </p:par>
+    </p:tnLst>
+  </p:timing>
+</p:sld>
+</file>
+
+<file path=ppt/slides/slide11.xml><?xml version="1.0" encoding="utf-8"?>
+<p:sld xmlns:a="http://schemas.openxmlformats.org/drawingml/2006/main" xmlns:r="http://schemas.openxmlformats.org/officeDocument/2006/relationships" xmlns:p="http://schemas.openxmlformats.org/presentationml/2006/main">
+  <p:cSld>
+    <p:spTree>
+      <p:nvGrpSpPr>
+        <p:cNvPr id="1" name=""/>
+        <p:cNvGrpSpPr/>
+        <p:nvPr/>
+      </p:nvGrpSpPr>
+      <p:grpSpPr>
+        <a:xfrm>
+          <a:off x="0" y="0"/>
+          <a:ext cx="0" cy="0"/>
+          <a:chOff x="0" y="0"/>
+          <a:chExt cx="0" cy="0"/>
+        </a:xfrm>
+      </p:grpSpPr>
+      <p:sp>
+        <p:nvSpPr>
+          <p:cNvPr id="2" name="Titre 1"/>
+          <p:cNvSpPr>
+            <a:spLocks noGrp="1"/>
+          </p:cNvSpPr>
+          <p:nvPr>
+            <p:ph type="title"/>
+          </p:nvPr>
+        </p:nvSpPr>
+        <p:spPr/>
+        <p:txBody>
+          <a:bodyPr/>
+          <a:lstStyle/>
+          <a:p>
+            <a:r>
+              <a:rPr lang="fr-FR" dirty="0"/>
+              <a:t>Rétrospective</a:t>
+            </a:r>
+            <a:br>
+              <a:rPr lang="fr-FR" dirty="0"/>
+            </a:br>
+            <a:r>
+              <a:rPr lang="fr-FR" dirty="0"/>
+              <a:t>Développement</a:t>
+            </a:r>
+          </a:p>
+        </p:txBody>
+      </p:sp>
+      <p:sp>
+        <p:nvSpPr>
+          <p:cNvPr id="3" name="Espace réservé du contenu 2"/>
+          <p:cNvSpPr>
+            <a:spLocks noGrp="1"/>
+          </p:cNvSpPr>
+          <p:nvPr>
+            <p:ph idx="1"/>
+          </p:nvPr>
+        </p:nvSpPr>
+        <p:spPr/>
+        <p:txBody>
+          <a:bodyPr/>
+          <a:lstStyle/>
+          <a:p>
+            <a:r>
+              <a:rPr lang="fr-FR" dirty="0" smtClean="0"/>
+              <a:t>Une meilleur gestion du temps</a:t>
+            </a:r>
+          </a:p>
+          <a:p>
+            <a:endParaRPr lang="fr-FR" dirty="0"/>
+          </a:p>
+          <a:p>
+            <a:r>
+              <a:rPr lang="fr-FR" dirty="0" smtClean="0"/>
+              <a:t>Une coordinance à améliorer</a:t>
+            </a:r>
+          </a:p>
+          <a:p>
+            <a:endParaRPr lang="fr-FR" dirty="0"/>
+          </a:p>
+          <a:p>
+            <a:r>
+              <a:rPr lang="fr-FR" dirty="0" smtClean="0"/>
+              <a:t>Avoir un code qui suivent les mêmes règles d’écriture</a:t>
+            </a:r>
+          </a:p>
+        </p:txBody>
+      </p:sp>
+    </p:spTree>
+    <p:extLst>
+      <p:ext uri="{BB962C8B-B14F-4D97-AF65-F5344CB8AC3E}">
+        <p14:creationId xmlns:p14="http://schemas.microsoft.com/office/powerpoint/2010/main" val="3877928993"/>
       </p:ext>
     </p:extLst>
   </p:cSld>
@@ -6412,8 +6653,17 @@
             <a:pPr lvl="1"/>
             <a:r>
               <a:rPr lang="fr-FR" dirty="0" smtClean="0"/>
-              <a:t>Création de compte utilisateur</a:t>
-            </a:r>
+              <a:t>Création de compte </a:t>
+            </a:r>
+            <a:r>
+              <a:rPr lang="fr-FR" dirty="0" smtClean="0"/>
+              <a:t>utilisateur et sauvegarde des </a:t>
+            </a:r>
+            <a:r>
+              <a:rPr lang="fr-FR" dirty="0" err="1" smtClean="0"/>
+              <a:t>playlists</a:t>
+            </a:r>
+            <a:endParaRPr lang="fr-FR" dirty="0" smtClean="0"/>
           </a:p>
           <a:p>
             <a:pPr lvl="1"/>
@@ -6474,100 +6724,101 @@
         </p:nvSpPr>
         <p:spPr/>
         <p:txBody>
-          <a:bodyPr>
-            <a:normAutofit/>
-          </a:bodyPr>
-          <a:lstStyle/>
-          <a:p>
+          <a:bodyPr/>
+          <a:lstStyle/>
+          <a:p>
+            <a:r>
+              <a:rPr lang="fr-FR" dirty="0"/>
+              <a:t>Présentation du </a:t>
+            </a:r>
             <a:r>
               <a:rPr lang="fr-FR" dirty="0" smtClean="0"/>
-              <a:t>Solution proposée</a:t>
+              <a:t/>
             </a:r>
             <a:br>
               <a:rPr lang="fr-FR" dirty="0" smtClean="0"/>
             </a:br>
             <a:r>
+              <a:rPr lang="fr-FR" dirty="0" smtClean="0"/>
+              <a:t>contexte </a:t>
+            </a:r>
+            <a:r>
               <a:rPr lang="fr-FR" dirty="0"/>
-              <a:t>Technologies </a:t>
-            </a:r>
+              <a:t>et défis</a:t>
+            </a:r>
+          </a:p>
+        </p:txBody>
+      </p:sp>
+      <p:sp>
+        <p:nvSpPr>
+          <p:cNvPr id="3" name="Espace réservé du contenu 2"/>
+          <p:cNvSpPr>
+            <a:spLocks noGrp="1"/>
+          </p:cNvSpPr>
+          <p:nvPr>
+            <p:ph idx="1"/>
+          </p:nvPr>
+        </p:nvSpPr>
+        <p:spPr/>
+        <p:txBody>
+          <a:bodyPr/>
+          <a:lstStyle/>
+          <a:p>
             <a:r>
               <a:rPr lang="fr-FR" dirty="0" smtClean="0"/>
-              <a:t>utilisées</a:t>
-            </a:r>
-            <a:endParaRPr lang="fr-FR" dirty="0"/>
-          </a:p>
-        </p:txBody>
-      </p:sp>
-      <p:sp>
-        <p:nvSpPr>
-          <p:cNvPr id="3" name="Espace réservé du contenu 2"/>
-          <p:cNvSpPr>
-            <a:spLocks noGrp="1"/>
-          </p:cNvSpPr>
-          <p:nvPr>
-            <p:ph idx="1"/>
-          </p:nvPr>
-        </p:nvSpPr>
-        <p:spPr/>
-        <p:txBody>
-          <a:bodyPr anchor="ctr">
-            <a:normAutofit/>
-          </a:bodyPr>
-          <a:lstStyle/>
-          <a:p>
+              <a:t>Défis à relever</a:t>
+            </a:r>
+            <a:endParaRPr lang="fr-FR" dirty="0" smtClean="0"/>
+          </a:p>
+          <a:p>
+            <a:endParaRPr lang="fr-FR" dirty="0" smtClean="0"/>
+          </a:p>
+          <a:p>
+            <a:pPr lvl="1"/>
             <a:r>
               <a:rPr lang="fr-FR" dirty="0" smtClean="0"/>
-              <a:t>HTML 5 / CSS 3 </a:t>
-            </a:r>
-          </a:p>
-          <a:p>
+              <a:t>Travail de groupe</a:t>
+            </a:r>
             <a:endParaRPr lang="fr-FR" dirty="0" smtClean="0"/>
-          </a:p>
-          <a:p>
-            <a:r>
-              <a:rPr lang="fr-FR" dirty="0" smtClean="0"/>
-              <a:t>JavaScript</a:t>
-            </a:r>
-          </a:p>
-          <a:p>
-            <a:pPr lvl="1"/>
-            <a:r>
-              <a:rPr lang="fr-FR" dirty="0" smtClean="0"/>
-              <a:t>JQuery</a:t>
-            </a:r>
-            <a:endParaRPr lang="fr-FR" dirty="0"/>
-          </a:p>
-          <a:p>
-            <a:pPr lvl="1"/>
-            <a:r>
-              <a:rPr lang="fr-FR" dirty="0" smtClean="0"/>
-              <a:t>TypeScript</a:t>
-            </a:r>
-            <a:endParaRPr lang="fr-FR" dirty="0" smtClean="0"/>
-          </a:p>
-          <a:p>
-            <a:pPr lvl="1"/>
-            <a:r>
-              <a:rPr lang="fr-FR" dirty="0" smtClean="0"/>
-              <a:t>Ajax</a:t>
-            </a:r>
           </a:p>
           <a:p>
             <a:pPr lvl="1"/>
             <a:endParaRPr lang="fr-FR" dirty="0" smtClean="0"/>
           </a:p>
           <a:p>
+            <a:pPr lvl="1"/>
             <a:r>
               <a:rPr lang="fr-FR" dirty="0" smtClean="0"/>
-              <a:t>PHP &gt; 5.3.7</a:t>
-            </a:r>
+              <a:t>Niveaux différents</a:t>
+            </a:r>
+            <a:endParaRPr lang="fr-FR" dirty="0" smtClean="0"/>
+          </a:p>
+          <a:p>
+            <a:pPr lvl="1"/>
+            <a:endParaRPr lang="fr-FR" dirty="0" smtClean="0"/>
+          </a:p>
+          <a:p>
+            <a:pPr lvl="1"/>
+            <a:r>
+              <a:rPr lang="fr-FR" dirty="0" smtClean="0"/>
+              <a:t>Répartition des tâches</a:t>
+            </a:r>
+            <a:endParaRPr lang="fr-FR" dirty="0" smtClean="0"/>
+          </a:p>
+          <a:p>
+            <a:pPr lvl="1"/>
+            <a:endParaRPr lang="fr-FR" dirty="0"/>
+          </a:p>
+          <a:p>
+            <a:pPr lvl="1"/>
+            <a:endParaRPr lang="fr-FR" dirty="0"/>
           </a:p>
         </p:txBody>
       </p:sp>
     </p:spTree>
     <p:extLst>
       <p:ext uri="{BB962C8B-B14F-4D97-AF65-F5344CB8AC3E}">
-        <p14:creationId xmlns:p14="http://schemas.microsoft.com/office/powerpoint/2010/main" val="1839183527"/>
+        <p14:creationId xmlns:p14="http://schemas.microsoft.com/office/powerpoint/2010/main" val="1619293818"/>
       </p:ext>
     </p:extLst>
   </p:cSld>
@@ -6613,19 +6864,25 @@
         </p:nvSpPr>
         <p:spPr/>
         <p:txBody>
-          <a:bodyPr/>
+          <a:bodyPr>
+            <a:normAutofit/>
+          </a:bodyPr>
           <a:lstStyle/>
           <a:p>
             <a:r>
               <a:rPr lang="fr-FR" dirty="0" smtClean="0"/>
-              <a:t>Solutions proposées</a:t>
+              <a:t>Solution proposée</a:t>
             </a:r>
             <a:br>
               <a:rPr lang="fr-FR" dirty="0" smtClean="0"/>
             </a:br>
             <a:r>
+              <a:rPr lang="fr-FR" dirty="0"/>
+              <a:t>Technologies </a:t>
+            </a:r>
+            <a:r>
               <a:rPr lang="fr-FR" dirty="0" smtClean="0"/>
-              <a:t>Côté serveur</a:t>
+              <a:t>utilisées</a:t>
             </a:r>
             <a:endParaRPr lang="fr-FR" dirty="0"/>
           </a:p>
@@ -6643,12 +6900,14 @@
         </p:nvSpPr>
         <p:spPr/>
         <p:txBody>
-          <a:bodyPr/>
+          <a:bodyPr anchor="ctr">
+            <a:normAutofit/>
+          </a:bodyPr>
           <a:lstStyle/>
           <a:p>
             <a:r>
               <a:rPr lang="fr-FR" dirty="0" smtClean="0"/>
-              <a:t>Architecture MVC (essentiellement MC)</a:t>
+              <a:t>HTML 5 / CSS 3 </a:t>
             </a:r>
           </a:p>
           <a:p>
@@ -6656,49 +6915,48 @@
           </a:p>
           <a:p>
             <a:r>
-              <a:rPr lang="fr-FR" dirty="0"/>
-              <a:t>Utilisation d’un contrôleur frontal </a:t>
-            </a:r>
-          </a:p>
-          <a:p>
+              <a:rPr lang="fr-FR" dirty="0" smtClean="0"/>
+              <a:t>JavaScript</a:t>
+            </a:r>
+          </a:p>
+          <a:p>
+            <a:pPr lvl="1"/>
+            <a:r>
+              <a:rPr lang="fr-FR" dirty="0" smtClean="0"/>
+              <a:t>JQuery</a:t>
+            </a:r>
             <a:endParaRPr lang="fr-FR" dirty="0"/>
           </a:p>
           <a:p>
+            <a:pPr lvl="1"/>
             <a:r>
               <a:rPr lang="fr-FR" dirty="0" smtClean="0"/>
-              <a:t>Modèle structuré sous forme d’active record</a:t>
-            </a:r>
-          </a:p>
-          <a:p>
-            <a:endParaRPr lang="fr-FR" dirty="0"/>
-          </a:p>
-          <a:p>
+              <a:t>TypeScript</a:t>
+            </a:r>
+          </a:p>
+          <a:p>
+            <a:pPr lvl="1"/>
             <a:r>
               <a:rPr lang="fr-FR" dirty="0" smtClean="0"/>
-              <a:t>Utilisation de PDO</a:t>
-            </a:r>
-          </a:p>
-          <a:p>
-            <a:endParaRPr lang="fr-FR" dirty="0"/>
-          </a:p>
-          <a:p>
-            <a:pPr marL="0" indent="0">
-              <a:buNone/>
-            </a:pPr>
-            <a:endParaRPr lang="fr-FR" dirty="0"/>
-          </a:p>
-          <a:p>
-            <a:pPr marL="0" indent="0">
-              <a:buNone/>
-            </a:pPr>
-            <a:endParaRPr lang="fr-FR" dirty="0"/>
+              <a:t>Ajax</a:t>
+            </a:r>
+          </a:p>
+          <a:p>
+            <a:pPr lvl="1"/>
+            <a:endParaRPr lang="fr-FR" dirty="0" smtClean="0"/>
+          </a:p>
+          <a:p>
+            <a:r>
+              <a:rPr lang="fr-FR" dirty="0" smtClean="0"/>
+              <a:t>PHP &gt; 5.3.7</a:t>
+            </a:r>
           </a:p>
         </p:txBody>
       </p:sp>
     </p:spTree>
     <p:extLst>
       <p:ext uri="{BB962C8B-B14F-4D97-AF65-F5344CB8AC3E}">
-        <p14:creationId xmlns:p14="http://schemas.microsoft.com/office/powerpoint/2010/main" val="815062657"/>
+        <p14:creationId xmlns:p14="http://schemas.microsoft.com/office/powerpoint/2010/main" val="1839183527"/>
       </p:ext>
     </p:extLst>
   </p:cSld>
@@ -6748,95 +7006,80 @@
           <a:lstStyle/>
           <a:p>
             <a:r>
+              <a:rPr lang="fr-FR" dirty="0" smtClean="0"/>
+              <a:t>Solutions proposées</a:t>
+            </a:r>
+            <a:br>
+              <a:rPr lang="fr-FR" dirty="0" smtClean="0"/>
+            </a:br>
+            <a:r>
+              <a:rPr lang="fr-FR" dirty="0" smtClean="0"/>
+              <a:t>Côté serveur</a:t>
+            </a:r>
+            <a:endParaRPr lang="fr-FR" dirty="0"/>
+          </a:p>
+        </p:txBody>
+      </p:sp>
+      <p:sp>
+        <p:nvSpPr>
+          <p:cNvPr id="3" name="Espace réservé du contenu 2"/>
+          <p:cNvSpPr>
+            <a:spLocks noGrp="1"/>
+          </p:cNvSpPr>
+          <p:nvPr>
+            <p:ph idx="1"/>
+          </p:nvPr>
+        </p:nvSpPr>
+        <p:spPr/>
+        <p:txBody>
+          <a:bodyPr/>
+          <a:lstStyle/>
+          <a:p>
+            <a:r>
+              <a:rPr lang="fr-FR" dirty="0" smtClean="0"/>
+              <a:t>Architecture MVC (essentiellement MC)</a:t>
+            </a:r>
+          </a:p>
+          <a:p>
+            <a:endParaRPr lang="fr-FR" dirty="0" smtClean="0"/>
+          </a:p>
+          <a:p>
+            <a:r>
               <a:rPr lang="fr-FR" dirty="0"/>
-              <a:t>Solutions proposées</a:t>
-            </a:r>
-            <a:br>
-              <a:rPr lang="fr-FR" dirty="0"/>
-            </a:br>
-            <a:r>
-              <a:rPr lang="fr-FR" dirty="0"/>
-              <a:t>Côté </a:t>
-            </a:r>
+              <a:t>Utilisation d’un contrôleur frontal </a:t>
+            </a:r>
+          </a:p>
+          <a:p>
+            <a:endParaRPr lang="fr-FR" dirty="0"/>
+          </a:p>
+          <a:p>
             <a:r>
               <a:rPr lang="fr-FR" dirty="0" smtClean="0"/>
-              <a:t>client	</a:t>
-            </a:r>
+              <a:t>Modèle structuré sous forme d’active record</a:t>
+            </a:r>
+          </a:p>
+          <a:p>
             <a:endParaRPr lang="fr-FR" dirty="0"/>
           </a:p>
-        </p:txBody>
-      </p:sp>
-      <p:sp>
-        <p:nvSpPr>
-          <p:cNvPr id="3" name="Espace réservé du contenu 2"/>
-          <p:cNvSpPr>
-            <a:spLocks noGrp="1"/>
-          </p:cNvSpPr>
-          <p:nvPr>
-            <p:ph idx="1"/>
-          </p:nvPr>
-        </p:nvSpPr>
-        <p:spPr/>
-        <p:txBody>
-          <a:bodyPr/>
-          <a:lstStyle/>
           <a:p>
             <a:r>
               <a:rPr lang="fr-FR" dirty="0" smtClean="0"/>
-              <a:t>Notify.js</a:t>
+              <a:t>Utilisation de PDO</a:t>
             </a:r>
           </a:p>
           <a:p>
             <a:endParaRPr lang="fr-FR" dirty="0"/>
           </a:p>
           <a:p>
-            <a:r>
-              <a:rPr lang="fr-FR" dirty="0" smtClean="0"/>
-              <a:t>Page unique mais dynamique</a:t>
-            </a:r>
-          </a:p>
-          <a:p>
+            <a:pPr marL="0" indent="0">
+              <a:buNone/>
+            </a:pPr>
             <a:endParaRPr lang="fr-FR" dirty="0"/>
           </a:p>
           <a:p>
-            <a:r>
-              <a:rPr lang="fr-FR" dirty="0" smtClean="0"/>
-              <a:t>Divisé en 4 parties</a:t>
-            </a:r>
-          </a:p>
-          <a:p>
-            <a:pPr lvl="1"/>
-            <a:r>
-              <a:rPr lang="fr-FR" dirty="0" smtClean="0"/>
-              <a:t>Header</a:t>
-            </a:r>
-          </a:p>
-          <a:p>
-            <a:pPr lvl="1"/>
-            <a:r>
-              <a:rPr lang="fr-FR" dirty="0" smtClean="0"/>
-              <a:t>Navigation</a:t>
-            </a:r>
-          </a:p>
-          <a:p>
-            <a:pPr lvl="1"/>
-            <a:r>
-              <a:rPr lang="fr-FR" dirty="0" smtClean="0"/>
-              <a:t>La div principale</a:t>
-            </a:r>
-          </a:p>
-          <a:p>
-            <a:pPr lvl="1"/>
-            <a:r>
-              <a:rPr lang="fr-FR" dirty="0" smtClean="0"/>
-              <a:t>Footer</a:t>
-            </a:r>
-            <a:endParaRPr lang="fr-FR" dirty="0" smtClean="0"/>
-          </a:p>
-          <a:p>
-            <a:endParaRPr lang="fr-FR" dirty="0"/>
-          </a:p>
-          <a:p>
+            <a:pPr marL="0" indent="0">
+              <a:buNone/>
+            </a:pPr>
             <a:endParaRPr lang="fr-FR" dirty="0"/>
           </a:p>
         </p:txBody>
@@ -6844,7 +7087,7 @@
     </p:spTree>
     <p:extLst>
       <p:ext uri="{BB962C8B-B14F-4D97-AF65-F5344CB8AC3E}">
-        <p14:creationId xmlns:p14="http://schemas.microsoft.com/office/powerpoint/2010/main" val="3608934793"/>
+        <p14:creationId xmlns:p14="http://schemas.microsoft.com/office/powerpoint/2010/main" val="815062657"/>
       </p:ext>
     </p:extLst>
   </p:cSld>
@@ -6894,8 +7137,19 @@
           <a:lstStyle/>
           <a:p>
             <a:r>
+              <a:rPr lang="fr-FR" dirty="0"/>
+              <a:t>Solutions proposées</a:t>
+            </a:r>
+            <a:br>
+              <a:rPr lang="fr-FR" dirty="0"/>
+            </a:br>
+            <a:r>
+              <a:rPr lang="fr-FR" dirty="0"/>
+              <a:t>Côté </a:t>
+            </a:r>
+            <a:r>
               <a:rPr lang="fr-FR" dirty="0" smtClean="0"/>
-              <a:t>Démonstration</a:t>
+              <a:t>client	</a:t>
             </a:r>
             <a:endParaRPr lang="fr-FR" dirty="0"/>
           </a:p>
@@ -6918,65 +7172,57 @@
           <a:p>
             <a:r>
               <a:rPr lang="fr-FR" dirty="0" smtClean="0"/>
-              <a:t>Site hébergé :</a:t>
+              <a:t>Notify.js</a:t>
             </a:r>
           </a:p>
           <a:p>
             <a:endParaRPr lang="fr-FR" dirty="0"/>
           </a:p>
           <a:p>
+            <a:r>
+              <a:rPr lang="fr-FR" dirty="0" smtClean="0"/>
+              <a:t>Page unique mais dynamique</a:t>
+            </a:r>
+          </a:p>
+          <a:p>
+            <a:endParaRPr lang="fr-FR" dirty="0"/>
+          </a:p>
+          <a:p>
+            <a:r>
+              <a:rPr lang="fr-FR" dirty="0" smtClean="0"/>
+              <a:t>Divisé en 4 parties</a:t>
+            </a:r>
+          </a:p>
+          <a:p>
             <a:pPr lvl="1"/>
             <a:r>
-              <a:rPr lang="fr-FR" u="sng" dirty="0">
-                <a:hlinkClick r:id="rId2"/>
-              </a:rPr>
-              <a:t>http://romainpapelier.fr/L3Miage/projet4/src/</a:t>
-            </a:r>
+              <a:rPr lang="fr-FR" dirty="0" smtClean="0"/>
+              <a:t>Header</a:t>
+            </a:r>
+          </a:p>
+          <a:p>
+            <a:pPr lvl="1"/>
+            <a:r>
+              <a:rPr lang="fr-FR" dirty="0" smtClean="0"/>
+              <a:t>Navigation</a:t>
+            </a:r>
+          </a:p>
+          <a:p>
+            <a:pPr lvl="1"/>
+            <a:r>
+              <a:rPr lang="fr-FR" dirty="0" smtClean="0"/>
+              <a:t>La div principale</a:t>
+            </a:r>
+          </a:p>
+          <a:p>
+            <a:pPr lvl="1"/>
+            <a:r>
+              <a:rPr lang="fr-FR" dirty="0" smtClean="0"/>
+              <a:t>Footer</a:t>
+            </a:r>
+          </a:p>
+          <a:p>
             <a:endParaRPr lang="fr-FR" dirty="0"/>
-          </a:p>
-          <a:p>
-            <a:pPr lvl="1"/>
-            <a:r>
-              <a:rPr lang="fr-FR" u="sng" dirty="0">
-                <a:hlinkClick r:id="rId3"/>
-              </a:rPr>
-              <a:t>http://10h.guillaumepierson.fr/</a:t>
-            </a:r>
-            <a:endParaRPr lang="fr-FR" dirty="0"/>
-          </a:p>
-          <a:p>
-            <a:endParaRPr lang="fr-FR" dirty="0" smtClean="0"/>
-          </a:p>
-          <a:p>
-            <a:r>
-              <a:rPr lang="fr-FR" dirty="0" smtClean="0"/>
-              <a:t>Pour la démonstration :</a:t>
-            </a:r>
-          </a:p>
-          <a:p>
-            <a:endParaRPr lang="fr-FR" dirty="0" smtClean="0"/>
-          </a:p>
-          <a:p>
-            <a:pPr lvl="1"/>
-            <a:r>
-              <a:rPr lang="fr-FR" dirty="0" smtClean="0">
-                <a:hlinkClick r:id="rId4"/>
-              </a:rPr>
-              <a:t>http</a:t>
-            </a:r>
-            <a:r>
-              <a:rPr lang="fr-FR" dirty="0">
-                <a:hlinkClick r:id="rId4"/>
-              </a:rPr>
-              <a:t>://127.0.0.1/L3-Miage-Web-Site-de-Musique/src</a:t>
-            </a:r>
-            <a:r>
-              <a:rPr lang="fr-FR" dirty="0" smtClean="0">
-                <a:hlinkClick r:id="rId4"/>
-              </a:rPr>
-              <a:t>/</a:t>
-            </a:r>
-            <a:endParaRPr lang="fr-FR" dirty="0" smtClean="0"/>
           </a:p>
           <a:p>
             <a:endParaRPr lang="fr-FR" dirty="0"/>
@@ -6986,7 +7232,7 @@
     </p:spTree>
     <p:extLst>
       <p:ext uri="{BB962C8B-B14F-4D97-AF65-F5344CB8AC3E}">
-        <p14:creationId xmlns:p14="http://schemas.microsoft.com/office/powerpoint/2010/main" val="113642771"/>
+        <p14:creationId xmlns:p14="http://schemas.microsoft.com/office/powerpoint/2010/main" val="3608934793"/>
       </p:ext>
     </p:extLst>
   </p:cSld>
@@ -7036,95 +7282,81 @@
           <a:lstStyle/>
           <a:p>
             <a:r>
+              <a:rPr lang="fr-FR" dirty="0"/>
+              <a:t>Solutions proposées</a:t>
+            </a:r>
+            <a:br>
+              <a:rPr lang="fr-FR" dirty="0"/>
+            </a:br>
+            <a:r>
+              <a:rPr lang="fr-FR" dirty="0"/>
+              <a:t>Côté </a:t>
+            </a:r>
+            <a:r>
               <a:rPr lang="fr-FR" dirty="0" smtClean="0"/>
-              <a:t>Rétrospective</a:t>
-            </a:r>
-            <a:br>
+              <a:t>client	</a:t>
+            </a:r>
+            <a:endParaRPr lang="fr-FR" dirty="0"/>
+          </a:p>
+        </p:txBody>
+      </p:sp>
+      <p:sp>
+        <p:nvSpPr>
+          <p:cNvPr id="3" name="Espace réservé du contenu 2"/>
+          <p:cNvSpPr>
+            <a:spLocks noGrp="1"/>
+          </p:cNvSpPr>
+          <p:nvPr>
+            <p:ph idx="1"/>
+          </p:nvPr>
+        </p:nvSpPr>
+        <p:spPr/>
+        <p:txBody>
+          <a:bodyPr/>
+          <a:lstStyle/>
+          <a:p>
+            <a:r>
               <a:rPr lang="fr-FR" dirty="0" smtClean="0"/>
-            </a:br>
+              <a:t>Stockage des </a:t>
+            </a:r>
+            <a:r>
+              <a:rPr lang="fr-FR" dirty="0" err="1" smtClean="0"/>
+              <a:t>playlists</a:t>
+            </a:r>
             <a:r>
               <a:rPr lang="fr-FR" dirty="0" smtClean="0"/>
-              <a:t>Développement</a:t>
-            </a:r>
+              <a:t> en SESSION plutôt qu’en JS</a:t>
+            </a:r>
+            <a:endParaRPr lang="fr-FR" dirty="0" smtClean="0"/>
+          </a:p>
+          <a:p>
             <a:endParaRPr lang="fr-FR" dirty="0"/>
           </a:p>
-        </p:txBody>
-      </p:sp>
-      <p:sp>
-        <p:nvSpPr>
-          <p:cNvPr id="3" name="Espace réservé du contenu 2"/>
-          <p:cNvSpPr>
-            <a:spLocks noGrp="1"/>
-          </p:cNvSpPr>
-          <p:nvPr>
-            <p:ph idx="1"/>
-          </p:nvPr>
-        </p:nvSpPr>
-        <p:spPr/>
-        <p:txBody>
-          <a:bodyPr/>
-          <a:lstStyle/>
           <a:p>
             <a:r>
               <a:rPr lang="fr-FR" dirty="0" smtClean="0"/>
-              <a:t>Optimiser le code</a:t>
-            </a:r>
-          </a:p>
-          <a:p>
-            <a:pPr lvl="1"/>
+              <a:t>Utilisation d’AJAX et des callbacks</a:t>
+            </a:r>
+            <a:endParaRPr lang="fr-FR" dirty="0" smtClean="0"/>
+          </a:p>
+          <a:p>
+            <a:endParaRPr lang="fr-FR" dirty="0"/>
+          </a:p>
+          <a:p>
+            <a:r>
+              <a:rPr lang="fr-FR" smtClean="0"/>
+              <a:t>Synchronisation entre </a:t>
+            </a:r>
             <a:r>
               <a:rPr lang="fr-FR" dirty="0" smtClean="0"/>
-              <a:t>Pour de nombreuses entrées dans la base de données</a:t>
-            </a:r>
+              <a:t>SESSION et BDD</a:t>
+            </a:r>
+            <a:endParaRPr lang="fr-FR" dirty="0" smtClean="0"/>
+          </a:p>
+          <a:p>
             <a:endParaRPr lang="fr-FR" dirty="0"/>
           </a:p>
           <a:p>
-            <a:pPr lvl="1"/>
-            <a:r>
-              <a:rPr lang="fr-FR" dirty="0" smtClean="0"/>
-              <a:t>Requêtes SQL qui peuvent prendre du temps</a:t>
-            </a:r>
-          </a:p>
-          <a:p>
-            <a:pPr marL="457200" lvl="1" indent="0">
-              <a:buNone/>
-            </a:pPr>
-            <a:endParaRPr lang="fr-FR" dirty="0" smtClean="0"/>
-          </a:p>
-          <a:p>
-            <a:r>
-              <a:rPr lang="fr-FR" dirty="0" smtClean="0"/>
-              <a:t>Développer des nouvelles fonctionnalités</a:t>
-            </a:r>
-            <a:endParaRPr lang="fr-FR" dirty="0"/>
-          </a:p>
-          <a:p>
-            <a:pPr lvl="1"/>
-            <a:r>
-              <a:rPr lang="fr-FR" dirty="0" smtClean="0"/>
-              <a:t>Partage de playlist</a:t>
-            </a:r>
-          </a:p>
-          <a:p>
-            <a:pPr lvl="1"/>
-            <a:r>
-              <a:rPr lang="fr-FR" dirty="0" smtClean="0"/>
-              <a:t>Modification du compte</a:t>
-            </a:r>
-          </a:p>
-          <a:p>
-            <a:pPr lvl="1"/>
-            <a:r>
-              <a:rPr lang="fr-FR" dirty="0" smtClean="0"/>
-              <a:t>Des données sur la playlist pour l’utilisateur</a:t>
-            </a:r>
-          </a:p>
-          <a:p>
-            <a:pPr lvl="1"/>
-            <a:r>
-              <a:rPr lang="fr-FR" dirty="0" smtClean="0"/>
-              <a:t>Déplacer la pop-up</a:t>
-            </a:r>
             <a:endParaRPr lang="fr-FR" dirty="0"/>
           </a:p>
         </p:txBody>
@@ -7132,7 +7364,7 @@
     </p:spTree>
     <p:extLst>
       <p:ext uri="{BB962C8B-B14F-4D97-AF65-F5344CB8AC3E}">
-        <p14:creationId xmlns:p14="http://schemas.microsoft.com/office/powerpoint/2010/main" val="2229290647"/>
+        <p14:creationId xmlns:p14="http://schemas.microsoft.com/office/powerpoint/2010/main" val="2851433323"/>
       </p:ext>
     </p:extLst>
   </p:cSld>
@@ -7182,16 +7414,10 @@
           <a:lstStyle/>
           <a:p>
             <a:r>
-              <a:rPr lang="fr-FR" dirty="0"/>
-              <a:t>Rétrospective</a:t>
-            </a:r>
-            <a:br>
-              <a:rPr lang="fr-FR" dirty="0"/>
-            </a:br>
-            <a:r>
-              <a:rPr lang="fr-FR" dirty="0"/>
-              <a:t>Développement</a:t>
-            </a:r>
+              <a:rPr lang="fr-FR" dirty="0" smtClean="0"/>
+              <a:t>Démonstration</a:t>
+            </a:r>
+            <a:endParaRPr lang="fr-FR" dirty="0"/>
           </a:p>
         </p:txBody>
       </p:sp>
@@ -7212,33 +7438,75 @@
           <a:p>
             <a:r>
               <a:rPr lang="fr-FR" dirty="0" smtClean="0"/>
-              <a:t>Une meilleur gestion du temps</a:t>
+              <a:t>Site hébergé :</a:t>
             </a:r>
           </a:p>
           <a:p>
             <a:endParaRPr lang="fr-FR" dirty="0"/>
           </a:p>
           <a:p>
+            <a:pPr lvl="1"/>
+            <a:r>
+              <a:rPr lang="fr-FR" u="sng" dirty="0">
+                <a:hlinkClick r:id="rId2"/>
+              </a:rPr>
+              <a:t>http://romainpapelier.fr/L3Miage/projet4/src/</a:t>
+            </a:r>
+            <a:endParaRPr lang="fr-FR" dirty="0"/>
+          </a:p>
+          <a:p>
+            <a:pPr lvl="1"/>
+            <a:r>
+              <a:rPr lang="fr-FR" u="sng" dirty="0">
+                <a:hlinkClick r:id="rId3"/>
+              </a:rPr>
+              <a:t>http://10h.guillaumepierson.fr/</a:t>
+            </a:r>
+            <a:endParaRPr lang="fr-FR" dirty="0"/>
+          </a:p>
+          <a:p>
+            <a:endParaRPr lang="fr-FR" dirty="0" smtClean="0"/>
+          </a:p>
+          <a:p>
             <a:r>
               <a:rPr lang="fr-FR" dirty="0" smtClean="0"/>
-              <a:t>Une coordinance à améliorer</a:t>
-            </a:r>
+              <a:t>Pour la démonstration :</a:t>
+            </a:r>
+          </a:p>
+          <a:p>
+            <a:endParaRPr lang="fr-FR" dirty="0" smtClean="0"/>
+          </a:p>
+          <a:p>
+            <a:pPr lvl="1"/>
+            <a:r>
+              <a:rPr lang="fr-FR" dirty="0" smtClean="0">
+                <a:hlinkClick r:id="rId4"/>
+              </a:rPr>
+              <a:t>http</a:t>
+            </a:r>
+            <a:r>
+              <a:rPr lang="fr-FR" dirty="0">
+                <a:hlinkClick r:id="rId4"/>
+              </a:rPr>
+              <a:t>://127.0.0.1/L3-Miage-Web-Site-de-Musique/src</a:t>
+            </a:r>
+            <a:r>
+              <a:rPr lang="fr-FR" dirty="0" smtClean="0">
+                <a:hlinkClick r:id="rId4"/>
+              </a:rPr>
+              <a:t>/</a:t>
+            </a:r>
+            <a:endParaRPr lang="fr-FR" dirty="0" smtClean="0"/>
           </a:p>
           <a:p>
             <a:endParaRPr lang="fr-FR" dirty="0"/>
-          </a:p>
-          <a:p>
-            <a:r>
-              <a:rPr lang="fr-FR" dirty="0" smtClean="0"/>
-              <a:t>Avoir un code qui suivent les mêmes règles d’écriture</a:t>
-            </a:r>
           </a:p>
         </p:txBody>
       </p:sp>
     </p:spTree>
     <p:extLst>
       <p:ext uri="{BB962C8B-B14F-4D97-AF65-F5344CB8AC3E}">
-        <p14:creationId xmlns:p14="http://schemas.microsoft.com/office/powerpoint/2010/main" val="3877928993"/>
+        <p14:creationId xmlns:p14="http://schemas.microsoft.com/office/powerpoint/2010/main" val="113642771"/>
       </p:ext>
     </p:extLst>
   </p:cSld>
@@ -7298,7 +7566,7 @@
     </a:clrScheme>
     <a:fontScheme name="Facette">
       <a:majorFont>
-        <a:latin typeface="Trebuchet MS" panose="020B0603020202020204"/>
+        <a:latin typeface="Trebuchet MS"/>
         <a:ea typeface=""/>
         <a:cs typeface=""/>
         <a:font script="Jpan" typeface="メイリオ"/>
@@ -7333,7 +7601,7 @@
         <a:font script="Geor" typeface="Sylfaen"/>
       </a:majorFont>
       <a:minorFont>
-        <a:latin typeface="Trebuchet MS" panose="020B0603020202020204"/>
+        <a:latin typeface="Trebuchet MS"/>
         <a:ea typeface=""/>
         <a:cs typeface=""/>
         <a:font script="Jpan" typeface="メイリオ"/>
@@ -7506,7 +7774,7 @@
   <a:extraClrSchemeLst/>
   <a:extLst>
     <a:ext uri="{05A4C25C-085E-4340-85A3-A5531E510DB2}">
-      <thm15:themeFamily xmlns:thm15="http://schemas.microsoft.com/office/thememl/2012/main" name="Facet" id="{C0C680CD-088A-49FC-A102-D699147F32B2}" vid="{CFBC31BA-B70F-4F30-BCAA-4F3011E16C4D}"/>
+      <thm15:themeFamily xmlns:thm15="http://schemas.microsoft.com/office/thememl/2012/main" xmlns="" name="Facet" id="{C0C680CD-088A-49FC-A102-D699147F32B2}" vid="{CFBC31BA-B70F-4F30-BCAA-4F3011E16C4D}"/>
     </a:ext>
   </a:extLst>
 </a:theme>

--- a/présentation.pptx
+++ b/présentation.pptx
@@ -6297,7 +6297,18 @@
             <a:pPr lvl="1"/>
             <a:r>
               <a:rPr lang="fr-FR" dirty="0" smtClean="0"/>
-              <a:t>Déplacer la pop-up</a:t>
+              <a:t>Déplacer la </a:t>
+            </a:r>
+            <a:r>
+              <a:rPr lang="fr-FR" dirty="0" smtClean="0"/>
+              <a:t>pop-up</a:t>
+            </a:r>
+          </a:p>
+          <a:p>
+            <a:pPr lvl="1"/>
+            <a:r>
+              <a:rPr lang="fr-FR" dirty="0" smtClean="0"/>
+              <a:t>Historique des pages (bouton précédent)</a:t>
             </a:r>
             <a:endParaRPr lang="fr-FR" dirty="0"/>
           </a:p>
@@ -6395,7 +6406,15 @@
           <a:p>
             <a:r>
               <a:rPr lang="fr-FR" dirty="0" smtClean="0"/>
-              <a:t>Une coordinance à améliorer</a:t>
+              <a:t>Une </a:t>
+            </a:r>
+            <a:r>
+              <a:rPr lang="fr-FR" dirty="0" smtClean="0"/>
+              <a:t>coordination </a:t>
+            </a:r>
+            <a:r>
+              <a:rPr lang="fr-FR" dirty="0" smtClean="0"/>
+              <a:t>à améliorer</a:t>
             </a:r>
           </a:p>
           <a:p>
@@ -6404,7 +6423,19 @@
           <a:p>
             <a:r>
               <a:rPr lang="fr-FR" dirty="0" smtClean="0"/>
-              <a:t>Avoir un code qui suivent les mêmes règles d’écriture</a:t>
+              <a:t>Avoir un code </a:t>
+            </a:r>
+            <a:r>
+              <a:rPr lang="fr-FR" smtClean="0"/>
+              <a:t>qui </a:t>
+            </a:r>
+            <a:r>
+              <a:rPr lang="fr-FR" smtClean="0"/>
+              <a:t>suit </a:t>
+            </a:r>
+            <a:r>
+              <a:rPr lang="fr-FR" dirty="0" smtClean="0"/>
+              <a:t>les mêmes règles d’écriture</a:t>
             </a:r>
           </a:p>
         </p:txBody>
@@ -6653,11 +6684,7 @@
             <a:pPr lvl="1"/>
             <a:r>
               <a:rPr lang="fr-FR" dirty="0" smtClean="0"/>
-              <a:t>Création de compte </a:t>
-            </a:r>
-            <a:r>
-              <a:rPr lang="fr-FR" dirty="0" smtClean="0"/>
-              <a:t>utilisateur et sauvegarde des </a:t>
+              <a:t>Création de compte utilisateur et sauvegarde des </a:t>
             </a:r>
             <a:r>
               <a:rPr lang="fr-FR" dirty="0" err="1" smtClean="0"/>
@@ -6768,7 +6795,6 @@
               <a:rPr lang="fr-FR" dirty="0" smtClean="0"/>
               <a:t>Défis à relever</a:t>
             </a:r>
-            <a:endParaRPr lang="fr-FR" dirty="0" smtClean="0"/>
           </a:p>
           <a:p>
             <a:endParaRPr lang="fr-FR" dirty="0" smtClean="0"/>
@@ -6779,7 +6805,6 @@
               <a:rPr lang="fr-FR" dirty="0" smtClean="0"/>
               <a:t>Travail de groupe</a:t>
             </a:r>
-            <a:endParaRPr lang="fr-FR" dirty="0" smtClean="0"/>
           </a:p>
           <a:p>
             <a:pPr lvl="1"/>
@@ -6791,7 +6816,6 @@
               <a:rPr lang="fr-FR" dirty="0" smtClean="0"/>
               <a:t>Niveaux différents</a:t>
             </a:r>
-            <a:endParaRPr lang="fr-FR" dirty="0" smtClean="0"/>
           </a:p>
           <a:p>
             <a:pPr lvl="1"/>
@@ -6803,7 +6827,6 @@
               <a:rPr lang="fr-FR" dirty="0" smtClean="0"/>
               <a:t>Répartition des tâches</a:t>
             </a:r>
-            <a:endParaRPr lang="fr-FR" dirty="0" smtClean="0"/>
           </a:p>
           <a:p>
             <a:pPr lvl="1"/>
@@ -7327,7 +7350,6 @@
               <a:rPr lang="fr-FR" dirty="0" smtClean="0"/>
               <a:t> en SESSION plutôt qu’en JS</a:t>
             </a:r>
-            <a:endParaRPr lang="fr-FR" dirty="0" smtClean="0"/>
           </a:p>
           <a:p>
             <a:endParaRPr lang="fr-FR" dirty="0"/>
@@ -7337,7 +7359,6 @@
               <a:rPr lang="fr-FR" dirty="0" smtClean="0"/>
               <a:t>Utilisation d’AJAX et des callbacks</a:t>
             </a:r>
-            <a:endParaRPr lang="fr-FR" dirty="0" smtClean="0"/>
           </a:p>
           <a:p>
             <a:endParaRPr lang="fr-FR" dirty="0"/>
@@ -7351,7 +7372,6 @@
               <a:rPr lang="fr-FR" dirty="0" smtClean="0"/>
               <a:t>SESSION et BDD</a:t>
             </a:r>
-            <a:endParaRPr lang="fr-FR" dirty="0" smtClean="0"/>
           </a:p>
           <a:p>
             <a:endParaRPr lang="fr-FR" dirty="0"/>
@@ -7774,7 +7794,7 @@
   <a:extraClrSchemeLst/>
   <a:extLst>
     <a:ext uri="{05A4C25C-085E-4340-85A3-A5531E510DB2}">
-      <thm15:themeFamily xmlns:thm15="http://schemas.microsoft.com/office/thememl/2012/main" xmlns="" name="Facet" id="{C0C680CD-088A-49FC-A102-D699147F32B2}" vid="{CFBC31BA-B70F-4F30-BCAA-4F3011E16C4D}"/>
+      <thm15:themeFamily xmlns="" xmlns:thm15="http://schemas.microsoft.com/office/thememl/2012/main" name="Facet" id="{C0C680CD-088A-49FC-A102-D699147F32B2}" vid="{CFBC31BA-B70F-4F30-BCAA-4F3011E16C4D}"/>
     </a:ext>
   </a:extLst>
 </a:theme>
